--- a/2024/_initialisation/Presentation_ateliers_2024.pptx
+++ b/2024/_initialisation/Presentation_ateliers_2024.pptx
@@ -5,10 +5,10 @@
     <p:sldMasterId id="2147483648" r:id="rId1"/>
   </p:sldMasterIdLst>
   <p:notesMasterIdLst>
-    <p:notesMasterId r:id="rId13"/>
+    <p:notesMasterId r:id="rId12"/>
   </p:notesMasterIdLst>
   <p:handoutMasterIdLst>
-    <p:handoutMasterId r:id="rId14"/>
+    <p:handoutMasterId r:id="rId13"/>
   </p:handoutMasterIdLst>
   <p:sldIdLst>
     <p:sldId id="256" r:id="rId2"/>
@@ -21,7 +21,6 @@
     <p:sldId id="265" r:id="rId9"/>
     <p:sldId id="264" r:id="rId10"/>
     <p:sldId id="266" r:id="rId11"/>
-    <p:sldId id="267" r:id="rId12"/>
   </p:sldIdLst>
   <p:sldSz cx="12188825" cy="6858000"/>
   <p:notesSz cx="6858000" cy="9144000"/>
@@ -161,7 +160,7 @@
 <file path=ppt/revisionInfo.xml><?xml version="1.0" encoding="utf-8"?>
 <p1510:revInfo xmlns:a="http://schemas.openxmlformats.org/drawingml/2006/main" xmlns:r="http://schemas.openxmlformats.org/officeDocument/2006/relationships" xmlns:p1510="http://schemas.microsoft.com/office/powerpoint/2015/10/main">
   <p1510:revLst>
-    <p1510:client id="{19266205-741F-430D-BC32-A1B6BCB86080}" v="17" dt="2024-10-21T13:59:28.573"/>
+    <p1510:client id="{19266205-741F-430D-BC32-A1B6BCB86080}" v="11" dt="2024-09-12T02:32:30.147"/>
   </p1510:revLst>
 </p1510:revInfo>
 </file>
@@ -170,8 +169,8 @@
 <pc:chgInfo xmlns:a="http://schemas.openxmlformats.org/drawingml/2006/main" xmlns:r="http://schemas.openxmlformats.org/officeDocument/2006/relationships" xmlns:ac="http://schemas.microsoft.com/office/drawing/2013/main/command" xmlns:pc="http://schemas.microsoft.com/office/powerpoint/2013/main/command">
   <pc:docChgLst>
     <pc:chgData name="Maxime Fagnan" userId="e71953a24c9500e2" providerId="LiveId" clId="{19266205-741F-430D-BC32-A1B6BCB86080}"/>
-    <pc:docChg chg="undo custSel addSld delSld modSld">
-      <pc:chgData name="Maxime Fagnan" userId="e71953a24c9500e2" providerId="LiveId" clId="{19266205-741F-430D-BC32-A1B6BCB86080}" dt="2024-10-21T14:03:21.227" v="983" actId="1076"/>
+    <pc:docChg chg="undo custSel addSld modSld">
+      <pc:chgData name="Maxime Fagnan" userId="e71953a24c9500e2" providerId="LiveId" clId="{19266205-741F-430D-BC32-A1B6BCB86080}" dt="2024-09-12T13:26:05.851" v="584" actId="20577"/>
       <pc:docMkLst>
         <pc:docMk/>
       </pc:docMkLst>
@@ -197,22 +196,22 @@
           <pc:sldMk cId="3176194943" sldId="264"/>
         </pc:sldMkLst>
       </pc:sldChg>
-      <pc:sldChg chg="addSp delSp modSp new mod modClrScheme modAnim chgLayout">
-        <pc:chgData name="Maxime Fagnan" userId="e71953a24c9500e2" providerId="LiveId" clId="{19266205-741F-430D-BC32-A1B6BCB86080}" dt="2024-10-21T14:03:21.227" v="983" actId="1076"/>
+      <pc:sldChg chg="addSp delSp modSp new mod modAnim">
+        <pc:chgData name="Maxime Fagnan" userId="e71953a24c9500e2" providerId="LiveId" clId="{19266205-741F-430D-BC32-A1B6BCB86080}" dt="2024-09-12T13:20:30.363" v="358" actId="14100"/>
         <pc:sldMkLst>
           <pc:docMk/>
           <pc:sldMk cId="1559552331" sldId="266"/>
         </pc:sldMkLst>
         <pc:spChg chg="mod">
-          <ac:chgData name="Maxime Fagnan" userId="e71953a24c9500e2" providerId="LiveId" clId="{19266205-741F-430D-BC32-A1B6BCB86080}" dt="2024-10-21T14:02:38.809" v="978" actId="115"/>
+          <ac:chgData name="Maxime Fagnan" userId="e71953a24c9500e2" providerId="LiveId" clId="{19266205-741F-430D-BC32-A1B6BCB86080}" dt="2024-09-12T13:19:45.312" v="327" actId="20577"/>
           <ac:spMkLst>
             <pc:docMk/>
             <pc:sldMk cId="1559552331" sldId="266"/>
             <ac:spMk id="2" creationId="{0A6059A9-9F75-645A-E675-7C241E17BFF5}"/>
           </ac:spMkLst>
         </pc:spChg>
-        <pc:spChg chg="del mod">
-          <ac:chgData name="Maxime Fagnan" userId="e71953a24c9500e2" providerId="LiveId" clId="{19266205-741F-430D-BC32-A1B6BCB86080}" dt="2024-10-21T14:00:34.034" v="679" actId="478"/>
+        <pc:spChg chg="mod">
+          <ac:chgData name="Maxime Fagnan" userId="e71953a24c9500e2" providerId="LiveId" clId="{19266205-741F-430D-BC32-A1B6BCB86080}" dt="2024-09-12T13:20:26.907" v="357" actId="20577"/>
           <ac:spMkLst>
             <pc:docMk/>
             <pc:sldMk cId="1559552331" sldId="266"/>
@@ -227,28 +226,12 @@
             <ac:spMk id="4" creationId="{FB74FFEE-4934-D07B-F581-BBD1695E26C8}"/>
           </ac:spMkLst>
         </pc:spChg>
-        <pc:spChg chg="add del mod">
-          <ac:chgData name="Maxime Fagnan" userId="e71953a24c9500e2" providerId="LiveId" clId="{19266205-741F-430D-BC32-A1B6BCB86080}" dt="2024-10-21T14:00:53.490" v="722" actId="478"/>
-          <ac:spMkLst>
-            <pc:docMk/>
-            <pc:sldMk cId="1559552331" sldId="266"/>
-            <ac:spMk id="5" creationId="{F0903F55-F5A2-4E20-A149-844577F465DD}"/>
-          </ac:spMkLst>
-        </pc:spChg>
-        <pc:spChg chg="add mod ord">
-          <ac:chgData name="Maxime Fagnan" userId="e71953a24c9500e2" providerId="LiveId" clId="{19266205-741F-430D-BC32-A1B6BCB86080}" dt="2024-10-21T14:02:48.058" v="979" actId="20577"/>
+        <pc:spChg chg="add mod">
+          <ac:chgData name="Maxime Fagnan" userId="e71953a24c9500e2" providerId="LiveId" clId="{19266205-741F-430D-BC32-A1B6BCB86080}" dt="2024-09-12T13:20:05.355" v="329" actId="12"/>
           <ac:spMkLst>
             <pc:docMk/>
             <pc:sldMk cId="1559552331" sldId="266"/>
             <ac:spMk id="7" creationId="{965108DC-F969-75FF-EF2A-A24BD35FB190}"/>
-          </ac:spMkLst>
-        </pc:spChg>
-        <pc:spChg chg="add mod">
-          <ac:chgData name="Maxime Fagnan" userId="e71953a24c9500e2" providerId="LiveId" clId="{19266205-741F-430D-BC32-A1B6BCB86080}" dt="2024-10-21T14:03:21.227" v="983" actId="1076"/>
-          <ac:spMkLst>
-            <pc:docMk/>
-            <pc:sldMk cId="1559552331" sldId="266"/>
-            <ac:spMk id="10" creationId="{61BBEB09-78C0-5EF6-B276-35E8E05A9154}"/>
           </ac:spMkLst>
         </pc:spChg>
         <pc:graphicFrameChg chg="add del mod">
@@ -259,8 +242,8 @@
             <ac:graphicFrameMk id="5" creationId="{CC4B8201-0B01-54D1-D81E-25BC9E35E41A}"/>
           </ac:graphicFrameMkLst>
         </pc:graphicFrameChg>
-        <pc:graphicFrameChg chg="add del mod">
-          <ac:chgData name="Maxime Fagnan" userId="e71953a24c9500e2" providerId="LiveId" clId="{19266205-741F-430D-BC32-A1B6BCB86080}" dt="2024-10-21T14:00:30.369" v="677" actId="478"/>
+        <pc:graphicFrameChg chg="add mod">
+          <ac:chgData name="Maxime Fagnan" userId="e71953a24c9500e2" providerId="LiveId" clId="{19266205-741F-430D-BC32-A1B6BCB86080}" dt="2024-09-12T02:32:53.516" v="272" actId="1076"/>
           <ac:graphicFrameMkLst>
             <pc:docMk/>
             <pc:sldMk cId="1559552331" sldId="266"/>
@@ -268,7 +251,7 @@
           </ac:graphicFrameMkLst>
         </pc:graphicFrameChg>
         <pc:picChg chg="add mod">
-          <ac:chgData name="Maxime Fagnan" userId="e71953a24c9500e2" providerId="LiveId" clId="{19266205-741F-430D-BC32-A1B6BCB86080}" dt="2024-10-21T14:03:13.380" v="981" actId="1076"/>
+          <ac:chgData name="Maxime Fagnan" userId="e71953a24c9500e2" providerId="LiveId" clId="{19266205-741F-430D-BC32-A1B6BCB86080}" dt="2024-09-12T02:32:55.596" v="273" actId="1076"/>
           <ac:picMkLst>
             <pc:docMk/>
             <pc:sldMk cId="1559552331" sldId="266"/>
@@ -283,8 +266,8 @@
             <ac:inkMk id="9" creationId="{4616BF74-07B8-30B8-7FC5-1E697F10E033}"/>
           </ac:inkMkLst>
         </pc:inkChg>
-        <pc:cxnChg chg="add del mod">
-          <ac:chgData name="Maxime Fagnan" userId="e71953a24c9500e2" providerId="LiveId" clId="{19266205-741F-430D-BC32-A1B6BCB86080}" dt="2024-10-21T14:00:55.111" v="723" actId="478"/>
+        <pc:cxnChg chg="add mod">
+          <ac:chgData name="Maxime Fagnan" userId="e71953a24c9500e2" providerId="LiveId" clId="{19266205-741F-430D-BC32-A1B6BCB86080}" dt="2024-09-12T13:20:30.363" v="358" actId="14100"/>
           <ac:cxnSpMkLst>
             <pc:docMk/>
             <pc:sldMk cId="1559552331" sldId="266"/>
@@ -299,75 +282,6 @@
             <ac:cxnSpMk id="17" creationId="{93DAA7B5-2462-501E-8175-32AB039F84E0}"/>
           </ac:cxnSpMkLst>
         </pc:cxnChg>
-      </pc:sldChg>
-      <pc:sldChg chg="addSp delSp modSp new mod modClrScheme chgLayout">
-        <pc:chgData name="Maxime Fagnan" userId="e71953a24c9500e2" providerId="LiveId" clId="{19266205-741F-430D-BC32-A1B6BCB86080}" dt="2024-10-21T14:00:16.682" v="675" actId="14100"/>
-        <pc:sldMkLst>
-          <pc:docMk/>
-          <pc:sldMk cId="294291458" sldId="267"/>
-        </pc:sldMkLst>
-        <pc:spChg chg="mod">
-          <ac:chgData name="Maxime Fagnan" userId="e71953a24c9500e2" providerId="LiveId" clId="{19266205-741F-430D-BC32-A1B6BCB86080}" dt="2024-10-21T13:59:42.134" v="670" actId="26606"/>
-          <ac:spMkLst>
-            <pc:docMk/>
-            <pc:sldMk cId="294291458" sldId="267"/>
-            <ac:spMk id="2" creationId="{76977EDD-9490-D048-D5B8-A128B0F39813}"/>
-          </ac:spMkLst>
-        </pc:spChg>
-        <pc:spChg chg="del">
-          <ac:chgData name="Maxime Fagnan" userId="e71953a24c9500e2" providerId="LiveId" clId="{19266205-741F-430D-BC32-A1B6BCB86080}" dt="2024-10-21T13:58:51.645" v="634" actId="478"/>
-          <ac:spMkLst>
-            <pc:docMk/>
-            <pc:sldMk cId="294291458" sldId="267"/>
-            <ac:spMk id="3" creationId="{66D7E9F7-DCCC-DAA4-7C26-DAD704F7E5B1}"/>
-          </ac:spMkLst>
-        </pc:spChg>
-        <pc:spChg chg="del">
-          <ac:chgData name="Maxime Fagnan" userId="e71953a24c9500e2" providerId="LiveId" clId="{19266205-741F-430D-BC32-A1B6BCB86080}" dt="2024-10-21T13:58:53.273" v="635" actId="22"/>
-          <ac:spMkLst>
-            <pc:docMk/>
-            <pc:sldMk cId="294291458" sldId="267"/>
-            <ac:spMk id="4" creationId="{5EFDA8AE-0CE0-796B-6203-EFBB82642E9B}"/>
-          </ac:spMkLst>
-        </pc:spChg>
-        <pc:spChg chg="add del mod">
-          <ac:chgData name="Maxime Fagnan" userId="e71953a24c9500e2" providerId="LiveId" clId="{19266205-741F-430D-BC32-A1B6BCB86080}" dt="2024-10-21T13:59:59.297" v="671" actId="22"/>
-          <ac:spMkLst>
-            <pc:docMk/>
-            <pc:sldMk cId="294291458" sldId="267"/>
-            <ac:spMk id="11" creationId="{91684E92-592F-BD22-19B2-7687A0F359C6}"/>
-          </ac:spMkLst>
-        </pc:spChg>
-        <pc:picChg chg="add mod ord">
-          <ac:chgData name="Maxime Fagnan" userId="e71953a24c9500e2" providerId="LiveId" clId="{19266205-741F-430D-BC32-A1B6BCB86080}" dt="2024-10-21T14:00:12.955" v="674" actId="14100"/>
-          <ac:picMkLst>
-            <pc:docMk/>
-            <pc:sldMk cId="294291458" sldId="267"/>
-            <ac:picMk id="6" creationId="{03C4AFB6-F8CC-BEB5-B631-E9B3939C4180}"/>
-          </ac:picMkLst>
-        </pc:picChg>
-        <pc:picChg chg="add mod ord">
-          <ac:chgData name="Maxime Fagnan" userId="e71953a24c9500e2" providerId="LiveId" clId="{19266205-741F-430D-BC32-A1B6BCB86080}" dt="2024-10-21T14:00:16.682" v="675" actId="14100"/>
-          <ac:picMkLst>
-            <pc:docMk/>
-            <pc:sldMk cId="294291458" sldId="267"/>
-            <ac:picMk id="8" creationId="{9AF39FB0-7385-AA6A-9DEC-555900A311EE}"/>
-          </ac:picMkLst>
-        </pc:picChg>
-      </pc:sldChg>
-      <pc:sldChg chg="new del">
-        <pc:chgData name="Maxime Fagnan" userId="e71953a24c9500e2" providerId="LiveId" clId="{19266205-741F-430D-BC32-A1B6BCB86080}" dt="2024-10-21T13:59:30.545" v="669" actId="47"/>
-        <pc:sldMkLst>
-          <pc:docMk/>
-          <pc:sldMk cId="96226359" sldId="268"/>
-        </pc:sldMkLst>
-      </pc:sldChg>
-      <pc:sldChg chg="add del">
-        <pc:chgData name="Maxime Fagnan" userId="e71953a24c9500e2" providerId="LiveId" clId="{19266205-741F-430D-BC32-A1B6BCB86080}" dt="2024-10-21T14:00:24.862" v="676" actId="2696"/>
-        <pc:sldMkLst>
-          <pc:docMk/>
-          <pc:sldMk cId="972564501" sldId="269"/>
-        </pc:sldMkLst>
       </pc:sldChg>
     </pc:docChg>
   </pc:docChgLst>
@@ -3326,7 +3240,7 @@
             <a:pPr rtl="0"/>
             <a:fld id="{8A761C43-90B0-443C-86EC-3C0DD5DA01AA}" type="datetime1">
               <a:rPr lang="fr-FR" smtClean="0"/>
-              <a:t>21/10/2024</a:t>
+              <a:t>12/09/2024</a:t>
             </a:fld>
             <a:endParaRPr lang="fr-FR"/>
           </a:p>
@@ -3504,7 +3418,7 @@
             <a:pPr rtl="0"/>
             <a:fld id="{F69C82B5-293F-43D8-BDBA-2AB8C5A97E24}" type="datetime1">
               <a:rPr lang="fr-FR" noProof="0" smtClean="0"/>
-              <a:t>21/10/2024</a:t>
+              <a:t>12/09/2024</a:t>
             </a:fld>
             <a:endParaRPr lang="fr-FR" noProof="0"/>
           </a:p>
@@ -4916,7 +4830,7 @@
             <a:pPr rtl="0"/>
             <a:fld id="{8CB63F34-E62A-42EB-8BBE-5D97981BDF99}" type="datetime1">
               <a:rPr lang="fr-FR" noProof="0" smtClean="0"/>
-              <a:t>21/10/2024</a:t>
+              <a:t>12/09/2024</a:t>
             </a:fld>
             <a:endParaRPr lang="fr-FR" noProof="0"/>
           </a:p>
@@ -5149,7 +5063,7 @@
             <a:pPr rtl="0"/>
             <a:fld id="{F628D6F8-A827-43B4-8C73-878D7AB60B7E}" type="datetime1">
               <a:rPr lang="fr-FR" noProof="0" smtClean="0"/>
-              <a:t>21/10/2024</a:t>
+              <a:t>12/09/2024</a:t>
             </a:fld>
             <a:endParaRPr lang="fr-FR" noProof="0"/>
           </a:p>
@@ -5978,7 +5892,7 @@
             <a:pPr rtl="0"/>
             <a:fld id="{84EE86DE-C0F5-4589-B42C-0AB3ABDBEEBE}" type="datetime1">
               <a:rPr lang="fr-FR" noProof="0" smtClean="0"/>
-              <a:t>21/10/2024</a:t>
+              <a:t>12/09/2024</a:t>
             </a:fld>
             <a:endParaRPr lang="fr-FR" noProof="0"/>
           </a:p>
@@ -6189,7 +6103,7 @@
             <a:pPr rtl="0"/>
             <a:fld id="{7BD930E9-522E-4B98-907D-6FC3AD7E907B}" type="datetime1">
               <a:rPr lang="fr-FR" noProof="0" smtClean="0"/>
-              <a:t>21/10/2024</a:t>
+              <a:t>12/09/2024</a:t>
             </a:fld>
             <a:endParaRPr lang="fr-FR" noProof="0"/>
           </a:p>
@@ -7457,7 +7371,7 @@
             <a:pPr rtl="0"/>
             <a:fld id="{1081AF74-AAE7-463E-86C0-EE02064F8F51}" type="datetime1">
               <a:rPr lang="fr-FR" noProof="0" smtClean="0"/>
-              <a:t>21/10/2024</a:t>
+              <a:t>12/09/2024</a:t>
             </a:fld>
             <a:endParaRPr lang="fr-FR" noProof="0"/>
           </a:p>
@@ -7789,7 +7703,7 @@
             <a:pPr rtl="0"/>
             <a:fld id="{F3F495EE-B4EF-444D-88BC-CEAB1749D92D}" type="datetime1">
               <a:rPr lang="fr-FR" noProof="0" smtClean="0"/>
-              <a:t>21/10/2024</a:t>
+              <a:t>12/09/2024</a:t>
             </a:fld>
             <a:endParaRPr lang="fr-FR" noProof="0"/>
           </a:p>
@@ -8243,7 +8157,7 @@
             <a:pPr rtl="0"/>
             <a:fld id="{035F29F0-A14F-4F4F-8A89-9D96995D09F4}" type="datetime1">
               <a:rPr lang="fr-FR" noProof="0" smtClean="0"/>
-              <a:t>21/10/2024</a:t>
+              <a:t>12/09/2024</a:t>
             </a:fld>
             <a:endParaRPr lang="fr-FR" noProof="0"/>
           </a:p>
@@ -8383,7 +8297,7 @@
             <a:pPr rtl="0"/>
             <a:fld id="{375A8DC8-1EBC-45BD-B5DA-23DB3A320D95}" type="datetime1">
               <a:rPr lang="fr-FR" noProof="0" smtClean="0"/>
-              <a:t>21/10/2024</a:t>
+              <a:t>12/09/2024</a:t>
             </a:fld>
             <a:endParaRPr lang="fr-FR" noProof="0"/>
           </a:p>
@@ -8724,7 +8638,7 @@
             <a:pPr rtl="0"/>
             <a:fld id="{299DDFE8-5D0F-4294-BF0D-BCBA491BB07D}" type="datetime1">
               <a:rPr lang="fr-FR" noProof="0" smtClean="0"/>
-              <a:t>21/10/2024</a:t>
+              <a:t>12/09/2024</a:t>
             </a:fld>
             <a:endParaRPr lang="fr-FR" noProof="0"/>
           </a:p>
@@ -9222,7 +9136,7 @@
             <a:pPr rtl="0"/>
             <a:fld id="{511C5F71-8AAC-4C18-9BBC-93A1054C5EED}" type="datetime1">
               <a:rPr lang="fr-FR" noProof="0" smtClean="0"/>
-              <a:t>21/10/2024</a:t>
+              <a:t>12/09/2024</a:t>
             </a:fld>
             <a:endParaRPr lang="fr-FR" noProof="0"/>
           </a:p>
@@ -9676,7 +9590,7 @@
             <a:pPr rtl="0"/>
             <a:fld id="{1828A8D0-70DF-4270-BFE1-B980037453FE}" type="datetime1">
               <a:rPr lang="fr-FR" noProof="0" smtClean="0"/>
-              <a:t>21/10/2024</a:t>
+              <a:t>12/09/2024</a:t>
             </a:fld>
             <a:endParaRPr lang="fr-FR" noProof="0"/>
           </a:p>
@@ -10579,7 +10493,7 @@
             <a:pPr rtl="0"/>
             <a:fld id="{CC995AA8-4435-43C9-8D68-A9F4972684AF}" type="datetime1">
               <a:rPr lang="fr-FR" noProof="0" smtClean="0"/>
-              <a:t>21/10/2024</a:t>
+              <a:t>12/09/2024</a:t>
             </a:fld>
             <a:endParaRPr lang="fr-FR" noProof="0"/>
           </a:p>
@@ -11151,62 +11065,145 @@
         </p:nvSpPr>
         <p:spPr>
           <a:xfrm>
-            <a:off x="1074240" y="381000"/>
-            <a:ext cx="3293422" cy="1371600"/>
+            <a:off x="1602464" y="173894"/>
+            <a:ext cx="9782801" cy="1239837"/>
           </a:xfrm>
         </p:spPr>
         <p:txBody>
-          <a:bodyPr vert="horz" lIns="91440" tIns="45720" rIns="91440" bIns="45720" rtlCol="0" anchor="b">
-            <a:normAutofit/>
-          </a:bodyPr>
+          <a:bodyPr/>
           <a:lstStyle/>
           <a:p>
             <a:r>
-              <a:rPr lang="fr-FR" dirty="0"/>
-              <a:t>Pour la première rencontre</a:t>
-            </a:r>
-            <a:endParaRPr lang="fr-FR" b="0" kern="1200" cap="all" baseline="0" dirty="0">
-              <a:latin typeface="+mj-lt"/>
-              <a:ea typeface="+mj-ea"/>
-              <a:cs typeface="+mj-cs"/>
-            </a:endParaRPr>
+              <a:rPr lang="fr-CA" b="1" u="sng" dirty="0"/>
+              <a:t>To do </a:t>
+            </a:r>
+            <a:r>
+              <a:rPr lang="fr-CA" b="1" u="sng" dirty="0" err="1"/>
+              <a:t>list</a:t>
+            </a:r>
+            <a:r>
+              <a:rPr lang="fr-CA" b="1" u="sng" dirty="0"/>
+              <a:t>:</a:t>
+            </a:r>
+            <a:r>
+              <a:rPr lang="fr-CA" dirty="0"/>
+              <a:t> pour lundi 12h30 à 13h20</a:t>
+            </a:r>
           </a:p>
         </p:txBody>
       </p:sp>
-      <p:pic>
-        <p:nvPicPr>
-          <p:cNvPr id="8" name="Online Media 7" title="Installer Python et Visual Studio Code (VS Code) sur Windows 11">
-            <a:hlinkClick r:id="" action="ppaction://media"/>
+      <p:sp>
+        <p:nvSpPr>
+          <p:cNvPr id="3" name="Content Placeholder 2">
             <a:extLst>
               <a:ext uri="{FF2B5EF4-FFF2-40B4-BE49-F238E27FC236}">
-                <a16:creationId xmlns:a16="http://schemas.microsoft.com/office/drawing/2014/main" id="{78DB1273-D375-4310-17F1-9B1AC1F12BC1}"/>
+                <a16:creationId xmlns:a16="http://schemas.microsoft.com/office/drawing/2014/main" id="{F5574067-9E75-95E8-81F5-6DA1F0B4322B}"/>
               </a:ext>
             </a:extLst>
           </p:cNvPr>
-          <p:cNvPicPr>
-            <a:picLocks noRot="1" noChangeAspect="1"/>
-          </p:cNvPicPr>
+          <p:cNvSpPr>
+            <a:spLocks noGrp="1"/>
+          </p:cNvSpPr>
           <p:nvPr>
-            <a:videoFile r:link="rId1"/>
+            <p:ph sz="half" idx="1"/>
           </p:nvPr>
-        </p:nvPicPr>
-        <p:blipFill>
-          <a:blip r:embed="rId3"/>
-          <a:stretch>
-            <a:fillRect/>
-          </a:stretch>
-        </p:blipFill>
-        <p:spPr>
-          <a:xfrm>
-            <a:off x="5230316" y="2132856"/>
-            <a:ext cx="6195986" cy="3500732"/>
-          </a:xfrm>
-          <a:prstGeom prst="rect">
-            <a:avLst/>
-          </a:prstGeom>
-          <a:noFill/>
-        </p:spPr>
-      </p:pic>
+        </p:nvSpPr>
+        <p:spPr/>
+        <p:txBody>
+          <a:bodyPr/>
+          <a:lstStyle/>
+          <a:p>
+            <a:pPr>
+              <a:buFont typeface="Wingdings" panose="05000000000000000000" pitchFamily="2" charset="2"/>
+              <a:buChar char="q"/>
+            </a:pPr>
+            <a:r>
+              <a:rPr lang="fr-CA" dirty="0"/>
+              <a:t>Inscription au correcteur du CCI</a:t>
+            </a:r>
+          </a:p>
+          <a:p>
+            <a:pPr lvl="2"/>
+            <a:r>
+              <a:rPr lang="fr-CA" dirty="0"/>
+              <a:t>Voir document ci-bas</a:t>
+            </a:r>
+          </a:p>
+          <a:p>
+            <a:endParaRPr lang="fr-CA" dirty="0"/>
+          </a:p>
+        </p:txBody>
+      </p:sp>
+      <p:graphicFrame>
+        <p:nvGraphicFramePr>
+          <p:cNvPr id="6" name="Content Placeholder 5">
+            <a:extLst>
+              <a:ext uri="{FF2B5EF4-FFF2-40B4-BE49-F238E27FC236}">
+                <a16:creationId xmlns:a16="http://schemas.microsoft.com/office/drawing/2014/main" id="{969CF1E7-34F8-05CD-A66F-5F2B7B5EC194}"/>
+              </a:ext>
+            </a:extLst>
+          </p:cNvPr>
+          <p:cNvGraphicFramePr>
+            <a:graphicFrameLocks noGrp="1" noChangeAspect="1"/>
+          </p:cNvGraphicFramePr>
+          <p:nvPr>
+            <p:ph sz="half" idx="2"/>
+            <p:extLst>
+              <p:ext uri="{D42A27DB-BD31-4B8C-83A1-F6EECF244321}">
+                <p14:modId xmlns:p14="http://schemas.microsoft.com/office/powerpoint/2010/main" val="2659260599"/>
+              </p:ext>
+            </p:extLst>
+          </p:nvPr>
+        </p:nvGraphicFramePr>
+        <p:xfrm>
+          <a:off x="2277988" y="3861048"/>
+          <a:ext cx="2161105" cy="1872208"/>
+        </p:xfrm>
+        <a:graphic>
+          <a:graphicData uri="http://schemas.openxmlformats.org/presentationml/2006/ole">
+            <mc:AlternateContent xmlns:mc="http://schemas.openxmlformats.org/markup-compatibility/2006">
+              <mc:Choice xmlns:v="urn:schemas-microsoft-com:vml" Requires="v">
+                <p:oleObj name="Acrobat Document" showAsIcon="1" r:id="rId3" imgW="914400" imgH="792417" progId="Acrobat.Document.DC">
+                  <p:embed/>
+                </p:oleObj>
+              </mc:Choice>
+              <mc:Fallback>
+                <p:oleObj name="Acrobat Document" showAsIcon="1" r:id="rId3" imgW="914400" imgH="792417" progId="Acrobat.Document.DC">
+                  <p:embed/>
+                  <p:pic>
+                    <p:nvPicPr>
+                      <p:cNvPr id="6" name="Content Placeholder 5">
+                        <a:extLst>
+                          <a:ext uri="{FF2B5EF4-FFF2-40B4-BE49-F238E27FC236}">
+                            <a16:creationId xmlns:a16="http://schemas.microsoft.com/office/drawing/2014/main" id="{969CF1E7-34F8-05CD-A66F-5F2B7B5EC194}"/>
+                          </a:ext>
+                        </a:extLst>
+                      </p:cNvPr>
+                      <p:cNvPicPr/>
+                      <p:nvPr/>
+                    </p:nvPicPr>
+                    <p:blipFill>
+                      <a:blip r:embed="rId4"/>
+                      <a:stretch>
+                        <a:fillRect/>
+                      </a:stretch>
+                    </p:blipFill>
+                    <p:spPr>
+                      <a:xfrm>
+                        <a:off x="2277988" y="3861048"/>
+                        <a:ext cx="2161105" cy="1872208"/>
+                      </a:xfrm>
+                      <a:prstGeom prst="rect">
+                        <a:avLst/>
+                      </a:prstGeom>
+                    </p:spPr>
+                  </p:pic>
+                </p:oleObj>
+              </mc:Fallback>
+            </mc:AlternateContent>
+          </a:graphicData>
+        </a:graphic>
+      </p:graphicFrame>
       <p:sp>
         <p:nvSpPr>
           <p:cNvPr id="7" name="Content Placeholder 2">
@@ -11221,10 +11218,10 @@
           </p:cNvSpPr>
           <p:nvPr/>
         </p:nvSpPr>
-        <p:spPr bwMode="white">
+        <p:spPr>
           <a:xfrm>
-            <a:off x="1074240" y="1828800"/>
-            <a:ext cx="3293422" cy="4343400"/>
+            <a:off x="6310436" y="1600200"/>
+            <a:ext cx="4814586" cy="4572000"/>
           </a:xfrm>
           <a:prstGeom prst="rect">
             <a:avLst/>
@@ -11403,293 +11400,102 @@
               <a:buFont typeface="Wingdings" panose="05000000000000000000" pitchFamily="2" charset="2"/>
               <a:buChar char="q"/>
             </a:pPr>
-            <a:endParaRPr lang="en-US" sz="2000" kern="1200" dirty="0">
-              <a:solidFill>
-                <a:schemeClr val="bg1"/>
-              </a:solidFill>
-              <a:latin typeface="+mn-lt"/>
-              <a:ea typeface="+mn-ea"/>
-              <a:cs typeface="+mn-cs"/>
-            </a:endParaRPr>
-          </a:p>
-          <a:p>
-            <a:pPr>
-              <a:buFont typeface="Wingdings" panose="05000000000000000000" pitchFamily="2" charset="2"/>
-              <a:buChar char="q"/>
-            </a:pPr>
-            <a:r>
-              <a:rPr lang="en-US" sz="2000" kern="1200" dirty="0">
-                <a:solidFill>
-                  <a:schemeClr val="bg1"/>
-                </a:solidFill>
-                <a:latin typeface="+mn-lt"/>
-                <a:ea typeface="+mn-ea"/>
-                <a:cs typeface="+mn-cs"/>
-              </a:rPr>
-              <a:t>Installation de Python et d’un </a:t>
-            </a:r>
-            <a:r>
-              <a:rPr lang="en-US" sz="2000" kern="1200" dirty="0" err="1">
-                <a:solidFill>
-                  <a:schemeClr val="bg1"/>
-                </a:solidFill>
-                <a:latin typeface="+mn-lt"/>
-                <a:ea typeface="+mn-ea"/>
-                <a:cs typeface="+mn-cs"/>
-              </a:rPr>
-              <a:t>éditeur</a:t>
-            </a:r>
-            <a:r>
-              <a:rPr lang="en-US" sz="2000" kern="1200" dirty="0">
-                <a:solidFill>
-                  <a:schemeClr val="bg1"/>
-                </a:solidFill>
-                <a:latin typeface="+mn-lt"/>
-                <a:ea typeface="+mn-ea"/>
-                <a:cs typeface="+mn-cs"/>
-              </a:rPr>
-              <a:t> de code de </a:t>
-            </a:r>
-            <a:r>
-              <a:rPr lang="en-US" sz="2000" kern="1200" dirty="0" err="1">
-                <a:solidFill>
-                  <a:schemeClr val="bg1"/>
-                </a:solidFill>
-                <a:latin typeface="+mn-lt"/>
-                <a:ea typeface="+mn-ea"/>
-                <a:cs typeface="+mn-cs"/>
-              </a:rPr>
-              <a:t>votre</a:t>
-            </a:r>
-            <a:r>
-              <a:rPr lang="en-US" sz="2000" kern="1200" dirty="0">
-                <a:solidFill>
-                  <a:schemeClr val="bg1"/>
-                </a:solidFill>
-                <a:latin typeface="+mn-lt"/>
-                <a:ea typeface="+mn-ea"/>
-                <a:cs typeface="+mn-cs"/>
-              </a:rPr>
-              <a:t> choix</a:t>
-            </a:r>
-            <a:endParaRPr lang="en-US" sz="2000" dirty="0">
-              <a:solidFill>
-                <a:schemeClr val="bg1"/>
-              </a:solidFill>
-            </a:endParaRPr>
-          </a:p>
-          <a:p>
-            <a:pPr marL="365760" lvl="1" indent="0">
-              <a:buNone/>
-            </a:pPr>
-            <a:r>
-              <a:rPr lang="en-US" sz="1600" dirty="0" err="1">
-                <a:solidFill>
-                  <a:schemeClr val="bg1"/>
-                </a:solidFill>
-              </a:rPr>
-              <a:t>Suivre</a:t>
-            </a:r>
-            <a:r>
-              <a:rPr lang="en-US" sz="1600" dirty="0">
-                <a:solidFill>
-                  <a:schemeClr val="bg1"/>
-                </a:solidFill>
-              </a:rPr>
-              <a:t> les instructions du </a:t>
-            </a:r>
-            <a:r>
-              <a:rPr lang="en-US" sz="1600" dirty="0" err="1">
-                <a:solidFill>
-                  <a:schemeClr val="bg1"/>
-                </a:solidFill>
-              </a:rPr>
-              <a:t>vidéo</a:t>
-            </a:r>
-            <a:r>
-              <a:rPr lang="en-US" sz="1600" dirty="0">
-                <a:solidFill>
-                  <a:schemeClr val="bg1"/>
-                </a:solidFill>
-              </a:rPr>
-              <a:t> à droite</a:t>
-            </a:r>
-            <a:endParaRPr lang="en-US" sz="1600" kern="1200" dirty="0">
-              <a:solidFill>
-                <a:schemeClr val="bg1"/>
-              </a:solidFill>
-              <a:latin typeface="+mn-lt"/>
-              <a:ea typeface="+mn-ea"/>
-              <a:cs typeface="+mn-cs"/>
-            </a:endParaRPr>
-          </a:p>
-          <a:p>
-            <a:pPr>
-              <a:buFont typeface="Wingdings" panose="05000000000000000000" pitchFamily="2" charset="2"/>
-              <a:buChar char="q"/>
-            </a:pPr>
-            <a:endParaRPr lang="en-US" sz="2000" dirty="0">
-              <a:solidFill>
-                <a:schemeClr val="bg1"/>
-              </a:solidFill>
-            </a:endParaRPr>
-          </a:p>
-          <a:p>
-            <a:pPr>
-              <a:buFont typeface="Wingdings" panose="05000000000000000000" pitchFamily="2" charset="2"/>
-              <a:buChar char="q"/>
-            </a:pPr>
-            <a:endParaRPr lang="en-US" sz="2000" kern="1200" dirty="0">
-              <a:solidFill>
-                <a:schemeClr val="bg1"/>
-              </a:solidFill>
-              <a:latin typeface="+mn-lt"/>
-              <a:ea typeface="+mn-ea"/>
-              <a:cs typeface="+mn-cs"/>
-            </a:endParaRPr>
-          </a:p>
-          <a:p>
-            <a:pPr>
-              <a:buFont typeface="Wingdings" panose="05000000000000000000" pitchFamily="2" charset="2"/>
-              <a:buChar char="q"/>
-            </a:pPr>
-            <a:r>
-              <a:rPr lang="en-US" sz="2000" kern="1200" dirty="0" err="1">
-                <a:solidFill>
-                  <a:schemeClr val="bg1"/>
-                </a:solidFill>
-                <a:latin typeface="+mn-lt"/>
-                <a:ea typeface="+mn-ea"/>
-                <a:cs typeface="+mn-cs"/>
-              </a:rPr>
-              <a:t>Création</a:t>
-            </a:r>
-            <a:r>
-              <a:rPr lang="en-US" sz="2000" kern="1200" dirty="0">
-                <a:solidFill>
-                  <a:schemeClr val="bg1"/>
-                </a:solidFill>
-                <a:latin typeface="+mn-lt"/>
-                <a:ea typeface="+mn-ea"/>
-                <a:cs typeface="+mn-cs"/>
-              </a:rPr>
-              <a:t> de </a:t>
-            </a:r>
-            <a:r>
-              <a:rPr lang="en-US" sz="2000" kern="1200" dirty="0" err="1">
-                <a:solidFill>
-                  <a:schemeClr val="bg1"/>
-                </a:solidFill>
-                <a:latin typeface="+mn-lt"/>
-                <a:ea typeface="+mn-ea"/>
-                <a:cs typeface="+mn-cs"/>
-              </a:rPr>
-              <a:t>compt</a:t>
-            </a:r>
-            <a:r>
-              <a:rPr lang="en-US" sz="2000" dirty="0" err="1">
-                <a:solidFill>
-                  <a:schemeClr val="bg1"/>
-                </a:solidFill>
-              </a:rPr>
-              <a:t>e</a:t>
-            </a:r>
-            <a:r>
-              <a:rPr lang="en-US" sz="2000" dirty="0">
-                <a:solidFill>
-                  <a:schemeClr val="bg1"/>
-                </a:solidFill>
-              </a:rPr>
-              <a:t> CCI</a:t>
-            </a:r>
-          </a:p>
-          <a:p>
-            <a:pPr marL="365760" lvl="1" indent="0">
-              <a:buNone/>
-            </a:pPr>
-            <a:r>
-              <a:rPr lang="en-US" sz="1600" dirty="0">
-                <a:solidFill>
-                  <a:schemeClr val="bg1"/>
-                </a:solidFill>
-              </a:rPr>
-              <a:t>Instructions sur la </a:t>
-            </a:r>
-            <a:r>
-              <a:rPr lang="en-US" sz="1600" dirty="0" err="1">
-                <a:solidFill>
-                  <a:schemeClr val="bg1"/>
-                </a:solidFill>
-              </a:rPr>
-              <a:t>prochaine</a:t>
-            </a:r>
-            <a:r>
-              <a:rPr lang="en-US" sz="1600" dirty="0">
-                <a:solidFill>
-                  <a:schemeClr val="bg1"/>
-                </a:solidFill>
-              </a:rPr>
-              <a:t> diapositive</a:t>
-            </a:r>
-            <a:endParaRPr lang="en-US" sz="1600" kern="1200" dirty="0">
-              <a:solidFill>
-                <a:schemeClr val="bg1"/>
-              </a:solidFill>
-              <a:latin typeface="+mn-lt"/>
-              <a:ea typeface="+mn-ea"/>
-              <a:cs typeface="+mn-cs"/>
-            </a:endParaRPr>
+            <a:r>
+              <a:rPr lang="fr-CA" dirty="0"/>
+              <a:t>Installation de Python et d’un éditeur de code de votre choix</a:t>
+            </a:r>
+          </a:p>
+          <a:p>
+            <a:endParaRPr lang="fr-CA" dirty="0"/>
+          </a:p>
+          <a:p>
+            <a:endParaRPr lang="fr-CA" dirty="0"/>
           </a:p>
           <a:p>
             <a:pPr marL="0" indent="0">
               <a:buNone/>
             </a:pPr>
-            <a:endParaRPr lang="en-US" sz="2000" kern="1200" dirty="0">
-              <a:solidFill>
-                <a:schemeClr val="bg1"/>
-              </a:solidFill>
-              <a:latin typeface="+mn-lt"/>
-              <a:ea typeface="+mn-ea"/>
-              <a:cs typeface="+mn-cs"/>
-            </a:endParaRPr>
+            <a:endParaRPr lang="fr-CA" dirty="0"/>
+          </a:p>
+          <a:p>
+            <a:endParaRPr lang="fr-CA" dirty="0"/>
           </a:p>
         </p:txBody>
       </p:sp>
-      <p:sp>
-        <p:nvSpPr>
-          <p:cNvPr id="10" name="TextBox 9">
+      <p:pic>
+        <p:nvPicPr>
+          <p:cNvPr id="8" name="Online Media 7" title="Installer Python et Visual Studio Code (VS Code) sur Windows 11">
+            <a:hlinkClick r:id="" action="ppaction://media"/>
             <a:extLst>
               <a:ext uri="{FF2B5EF4-FFF2-40B4-BE49-F238E27FC236}">
-                <a16:creationId xmlns:a16="http://schemas.microsoft.com/office/drawing/2014/main" id="{61BBEB09-78C0-5EF6-B276-35E8E05A9154}"/>
+                <a16:creationId xmlns:a16="http://schemas.microsoft.com/office/drawing/2014/main" id="{78DB1273-D375-4310-17F1-9B1AC1F12BC1}"/>
               </a:ext>
             </a:extLst>
           </p:cNvPr>
-          <p:cNvSpPr txBox="1"/>
-          <p:nvPr/>
-        </p:nvSpPr>
+          <p:cNvPicPr>
+            <a:picLocks noRot="1" noChangeAspect="1"/>
+          </p:cNvPicPr>
+          <p:nvPr>
+            <a:videoFile r:link="rId1"/>
+          </p:nvPr>
+        </p:nvPicPr>
+        <p:blipFill>
+          <a:blip r:embed="rId5"/>
+          <a:stretch>
+            <a:fillRect/>
+          </a:stretch>
+        </p:blipFill>
         <p:spPr>
           <a:xfrm>
-            <a:off x="5734372" y="5802868"/>
-            <a:ext cx="6096000" cy="369332"/>
+            <a:off x="5755811" y="3212976"/>
+            <a:ext cx="5369211" cy="3031232"/>
           </a:xfrm>
           <a:prstGeom prst="rect">
             <a:avLst/>
           </a:prstGeom>
-          <a:noFill/>
         </p:spPr>
-        <p:txBody>
-          <a:bodyPr wrap="square">
-            <a:spAutoFit/>
-          </a:bodyPr>
-          <a:lstStyle/>
-          <a:p>
-            <a:r>
-              <a:rPr lang="fr-CA" dirty="0"/>
-              <a:t>https://www.youtube.com/watch?v=3SkX4pqrU-4</a:t>
-            </a:r>
-          </a:p>
-        </p:txBody>
-      </p:sp>
+      </p:pic>
+      <p:cxnSp>
+        <p:nvCxnSpPr>
+          <p:cNvPr id="11" name="Connector: Elbow 10">
+            <a:extLst>
+              <a:ext uri="{FF2B5EF4-FFF2-40B4-BE49-F238E27FC236}">
+                <a16:creationId xmlns:a16="http://schemas.microsoft.com/office/drawing/2014/main" id="{6745A013-5A6F-DCE6-9159-89DA9632675C}"/>
+              </a:ext>
+            </a:extLst>
+          </p:cNvPr>
+          <p:cNvCxnSpPr>
+            <a:cxnSpLocks/>
+          </p:cNvCxnSpPr>
+          <p:nvPr/>
+        </p:nvCxnSpPr>
+        <p:spPr>
+          <a:xfrm rot="5400000" flipH="1" flipV="1">
+            <a:off x="3542501" y="3181346"/>
+            <a:ext cx="4133056" cy="970764"/>
+          </a:xfrm>
+          <a:prstGeom prst="bentConnector3">
+            <a:avLst>
+              <a:gd name="adj1" fmla="val 66254"/>
+            </a:avLst>
+          </a:prstGeom>
+          <a:ln w="38100"/>
+        </p:spPr>
+        <p:style>
+          <a:lnRef idx="2">
+            <a:schemeClr val="dk1"/>
+          </a:lnRef>
+          <a:fillRef idx="0">
+            <a:schemeClr val="dk1"/>
+          </a:fillRef>
+          <a:effectRef idx="1">
+            <a:schemeClr val="dk1"/>
+          </a:effectRef>
+          <a:fontRef idx="minor">
+            <a:schemeClr val="tx1"/>
+          </a:fontRef>
+        </p:style>
+      </p:cxnSp>
     </p:spTree>
     <p:extLst>
       <p:ext uri="{BB962C8B-B14F-4D97-AF65-F5344CB8AC3E}">
@@ -11847,142 +11653,6 @@
       </p:par>
     </p:tnLst>
   </p:timing>
-</p:sld>
-</file>
-
-<file path=ppt/slides/slide11.xml><?xml version="1.0" encoding="utf-8"?>
-<p:sld xmlns:a="http://schemas.openxmlformats.org/drawingml/2006/main" xmlns:r="http://schemas.openxmlformats.org/officeDocument/2006/relationships" xmlns:p="http://schemas.openxmlformats.org/presentationml/2006/main">
-  <p:cSld>
-    <p:spTree>
-      <p:nvGrpSpPr>
-        <p:cNvPr id="1" name=""/>
-        <p:cNvGrpSpPr/>
-        <p:nvPr/>
-      </p:nvGrpSpPr>
-      <p:grpSpPr>
-        <a:xfrm>
-          <a:off x="0" y="0"/>
-          <a:ext cx="0" cy="0"/>
-          <a:chOff x="0" y="0"/>
-          <a:chExt cx="0" cy="0"/>
-        </a:xfrm>
-      </p:grpSpPr>
-      <p:sp>
-        <p:nvSpPr>
-          <p:cNvPr id="2" name="Title 1">
-            <a:extLst>
-              <a:ext uri="{FF2B5EF4-FFF2-40B4-BE49-F238E27FC236}">
-                <a16:creationId xmlns:a16="http://schemas.microsoft.com/office/drawing/2014/main" id="{76977EDD-9490-D048-D5B8-A128B0F39813}"/>
-              </a:ext>
-            </a:extLst>
-          </p:cNvPr>
-          <p:cNvSpPr>
-            <a:spLocks noGrp="1"/>
-          </p:cNvSpPr>
-          <p:nvPr>
-            <p:ph type="title"/>
-          </p:nvPr>
-        </p:nvSpPr>
-        <p:spPr>
-          <a:xfrm>
-            <a:off x="1593436" y="177800"/>
-            <a:ext cx="9782801" cy="1239837"/>
-          </a:xfrm>
-        </p:spPr>
-        <p:txBody>
-          <a:bodyPr anchor="b">
-            <a:normAutofit/>
-          </a:bodyPr>
-          <a:lstStyle/>
-          <a:p>
-            <a:r>
-              <a:rPr lang="fr-CA" dirty="0"/>
-              <a:t>Création de compte CCI</a:t>
-            </a:r>
-          </a:p>
-        </p:txBody>
-      </p:sp>
-      <p:pic>
-        <p:nvPicPr>
-          <p:cNvPr id="6" name="Content Placeholder 5">
-            <a:extLst>
-              <a:ext uri="{FF2B5EF4-FFF2-40B4-BE49-F238E27FC236}">
-                <a16:creationId xmlns:a16="http://schemas.microsoft.com/office/drawing/2014/main" id="{03C4AFB6-F8CC-BEB5-B631-E9B3939C4180}"/>
-              </a:ext>
-            </a:extLst>
-          </p:cNvPr>
-          <p:cNvPicPr>
-            <a:picLocks noGrp="1" noChangeAspect="1"/>
-          </p:cNvPicPr>
-          <p:nvPr>
-            <p:ph sz="half" idx="1"/>
-          </p:nvPr>
-        </p:nvPicPr>
-        <p:blipFill>
-          <a:blip r:embed="rId2"/>
-          <a:stretch>
-            <a:fillRect/>
-          </a:stretch>
-        </p:blipFill>
-        <p:spPr>
-          <a:xfrm>
-            <a:off x="1269876" y="1628750"/>
-            <a:ext cx="5138146" cy="4290352"/>
-          </a:xfrm>
-          <a:noFill/>
-        </p:spPr>
-      </p:pic>
-      <p:pic>
-        <p:nvPicPr>
-          <p:cNvPr id="8" name="Content Placeholder 7">
-            <a:extLst>
-              <a:ext uri="{FF2B5EF4-FFF2-40B4-BE49-F238E27FC236}">
-                <a16:creationId xmlns:a16="http://schemas.microsoft.com/office/drawing/2014/main" id="{9AF39FB0-7385-AA6A-9DEC-555900A311EE}"/>
-              </a:ext>
-            </a:extLst>
-          </p:cNvPr>
-          <p:cNvPicPr>
-            <a:picLocks noGrp="1" noChangeAspect="1"/>
-          </p:cNvPicPr>
-          <p:nvPr>
-            <p:ph sz="half" idx="2"/>
-          </p:nvPr>
-        </p:nvPicPr>
-        <p:blipFill>
-          <a:blip r:embed="rId3"/>
-          <a:stretch>
-            <a:fillRect/>
-          </a:stretch>
-        </p:blipFill>
-        <p:spPr>
-          <a:xfrm>
-            <a:off x="6571659" y="1628750"/>
-            <a:ext cx="5145684" cy="4896594"/>
-          </a:xfrm>
-        </p:spPr>
-      </p:pic>
-    </p:spTree>
-    <p:extLst>
-      <p:ext uri="{BB962C8B-B14F-4D97-AF65-F5344CB8AC3E}">
-        <p14:creationId xmlns:p14="http://schemas.microsoft.com/office/powerpoint/2010/main" val="294291458"/>
-      </p:ext>
-    </p:extLst>
-  </p:cSld>
-  <p:clrMapOvr>
-    <a:masterClrMapping/>
-  </p:clrMapOvr>
-  <mc:AlternateContent xmlns:mc="http://schemas.openxmlformats.org/markup-compatibility/2006" xmlns:p14="http://schemas.microsoft.com/office/powerpoint/2010/main">
-    <mc:Choice Requires="p14">
-      <p:transition spd="med" p14:dur="700">
-        <p:fade/>
-      </p:transition>
-    </mc:Choice>
-    <mc:Fallback xmlns="">
-      <p:transition spd="med">
-        <p:fade/>
-      </p:transition>
-    </mc:Fallback>
-  </mc:AlternateContent>
 </p:sld>
 </file>
 
